--- a/docs/PostgreSQL - Julije Kostov 1026.pptx
+++ b/docs/PostgreSQL - Julije Kostov 1026.pptx
@@ -17,7 +17,14 @@
     <p:sldId id="265" r:id="rId11"/>
     <p:sldId id="266" r:id="rId12"/>
     <p:sldId id="267" r:id="rId13"/>
-    <p:sldId id="268" r:id="rId14"/>
+    <p:sldId id="269" r:id="rId14"/>
+    <p:sldId id="270" r:id="rId15"/>
+    <p:sldId id="272" r:id="rId16"/>
+    <p:sldId id="271" r:id="rId17"/>
+    <p:sldId id="273" r:id="rId18"/>
+    <p:sldId id="274" r:id="rId19"/>
+    <p:sldId id="275" r:id="rId20"/>
+    <p:sldId id="268" r:id="rId21"/>
   </p:sldIdLst>
   <p:sldSz cx="12192000" cy="6858000"/>
   <p:notesSz cx="6858000" cy="9144000"/>
@@ -116,6 +123,11 @@
       </a:defRPr>
     </a:lvl9pPr>
   </p:defaultTextStyle>
+  <p:extLst>
+    <p:ext uri="{EFAFB233-063F-42B5-8137-9DF3F51BA10A}">
+      <p15:sldGuideLst xmlns:p15="http://schemas.microsoft.com/office/powerpoint/2012/main"/>
+    </p:ext>
+  </p:extLst>
 </p:presentation>
 </file>
 
@@ -841,7 +853,7 @@
           <a:p>
             <a:fld id="{2B80962D-E3C0-4797-84A5-97D08803F837}" type="datetimeFigureOut">
               <a:rPr lang="sr-Latn-RS" smtClean="0"/>
-              <a:t>11.4.2020.</a:t>
+              <a:t>12.4.2020.</a:t>
             </a:fld>
             <a:endParaRPr lang="sr-Latn-RS"/>
           </a:p>
@@ -1092,7 +1104,7 @@
           <a:p>
             <a:fld id="{2B80962D-E3C0-4797-84A5-97D08803F837}" type="datetimeFigureOut">
               <a:rPr lang="sr-Latn-RS" smtClean="0"/>
-              <a:t>11.4.2020.</a:t>
+              <a:t>12.4.2020.</a:t>
             </a:fld>
             <a:endParaRPr lang="sr-Latn-RS"/>
           </a:p>
@@ -1406,7 +1418,7 @@
           <a:p>
             <a:fld id="{2B80962D-E3C0-4797-84A5-97D08803F837}" type="datetimeFigureOut">
               <a:rPr lang="sr-Latn-RS" smtClean="0"/>
-              <a:t>11.4.2020.</a:t>
+              <a:t>12.4.2020.</a:t>
             </a:fld>
             <a:endParaRPr lang="sr-Latn-RS"/>
           </a:p>
@@ -1747,7 +1759,7 @@
           <a:p>
             <a:fld id="{2B80962D-E3C0-4797-84A5-97D08803F837}" type="datetimeFigureOut">
               <a:rPr lang="sr-Latn-RS" smtClean="0"/>
-              <a:t>11.4.2020.</a:t>
+              <a:t>12.4.2020.</a:t>
             </a:fld>
             <a:endParaRPr lang="sr-Latn-RS"/>
           </a:p>
@@ -2061,7 +2073,7 @@
           <a:p>
             <a:fld id="{2B80962D-E3C0-4797-84A5-97D08803F837}" type="datetimeFigureOut">
               <a:rPr lang="sr-Latn-RS" smtClean="0"/>
-              <a:t>11.4.2020.</a:t>
+              <a:t>12.4.2020.</a:t>
             </a:fld>
             <a:endParaRPr lang="sr-Latn-RS"/>
           </a:p>
@@ -2454,7 +2466,7 @@
           <a:p>
             <a:fld id="{2B80962D-E3C0-4797-84A5-97D08803F837}" type="datetimeFigureOut">
               <a:rPr lang="sr-Latn-RS" smtClean="0"/>
-              <a:t>11.4.2020.</a:t>
+              <a:t>12.4.2020.</a:t>
             </a:fld>
             <a:endParaRPr lang="sr-Latn-RS"/>
           </a:p>
@@ -2624,7 +2636,7 @@
           <a:p>
             <a:fld id="{2B80962D-E3C0-4797-84A5-97D08803F837}" type="datetimeFigureOut">
               <a:rPr lang="sr-Latn-RS" smtClean="0"/>
-              <a:t>11.4.2020.</a:t>
+              <a:t>12.4.2020.</a:t>
             </a:fld>
             <a:endParaRPr lang="sr-Latn-RS"/>
           </a:p>
@@ -2804,7 +2816,7 @@
           <a:p>
             <a:fld id="{2B80962D-E3C0-4797-84A5-97D08803F837}" type="datetimeFigureOut">
               <a:rPr lang="sr-Latn-RS" smtClean="0"/>
-              <a:t>11.4.2020.</a:t>
+              <a:t>12.4.2020.</a:t>
             </a:fld>
             <a:endParaRPr lang="sr-Latn-RS"/>
           </a:p>
@@ -2980,7 +2992,7 @@
           <a:p>
             <a:fld id="{2B80962D-E3C0-4797-84A5-97D08803F837}" type="datetimeFigureOut">
               <a:rPr lang="sr-Latn-RS" smtClean="0"/>
-              <a:t>11.4.2020.</a:t>
+              <a:t>12.4.2020.</a:t>
             </a:fld>
             <a:endParaRPr lang="sr-Latn-RS"/>
           </a:p>
@@ -3227,7 +3239,7 @@
           <a:p>
             <a:fld id="{2B80962D-E3C0-4797-84A5-97D08803F837}" type="datetimeFigureOut">
               <a:rPr lang="sr-Latn-RS" smtClean="0"/>
-              <a:t>11.4.2020.</a:t>
+              <a:t>12.4.2020.</a:t>
             </a:fld>
             <a:endParaRPr lang="sr-Latn-RS"/>
           </a:p>
@@ -3459,7 +3471,7 @@
           <a:p>
             <a:fld id="{2B80962D-E3C0-4797-84A5-97D08803F837}" type="datetimeFigureOut">
               <a:rPr lang="sr-Latn-RS" smtClean="0"/>
-              <a:t>11.4.2020.</a:t>
+              <a:t>12.4.2020.</a:t>
             </a:fld>
             <a:endParaRPr lang="sr-Latn-RS"/>
           </a:p>
@@ -3833,7 +3845,7 @@
           <a:p>
             <a:fld id="{2B80962D-E3C0-4797-84A5-97D08803F837}" type="datetimeFigureOut">
               <a:rPr lang="sr-Latn-RS" smtClean="0"/>
-              <a:t>11.4.2020.</a:t>
+              <a:t>12.4.2020.</a:t>
             </a:fld>
             <a:endParaRPr lang="sr-Latn-RS"/>
           </a:p>
@@ -3956,7 +3968,7 @@
           <a:p>
             <a:fld id="{2B80962D-E3C0-4797-84A5-97D08803F837}" type="datetimeFigureOut">
               <a:rPr lang="sr-Latn-RS" smtClean="0"/>
-              <a:t>11.4.2020.</a:t>
+              <a:t>12.4.2020.</a:t>
             </a:fld>
             <a:endParaRPr lang="sr-Latn-RS"/>
           </a:p>
@@ -4051,7 +4063,7 @@
           <a:p>
             <a:fld id="{2B80962D-E3C0-4797-84A5-97D08803F837}" type="datetimeFigureOut">
               <a:rPr lang="sr-Latn-RS" smtClean="0"/>
-              <a:t>11.4.2020.</a:t>
+              <a:t>12.4.2020.</a:t>
             </a:fld>
             <a:endParaRPr lang="sr-Latn-RS"/>
           </a:p>
@@ -4306,7 +4318,7 @@
           <a:p>
             <a:fld id="{2B80962D-E3C0-4797-84A5-97D08803F837}" type="datetimeFigureOut">
               <a:rPr lang="sr-Latn-RS" smtClean="0"/>
-              <a:t>11.4.2020.</a:t>
+              <a:t>12.4.2020.</a:t>
             </a:fld>
             <a:endParaRPr lang="sr-Latn-RS"/>
           </a:p>
@@ -4569,7 +4581,7 @@
           <a:p>
             <a:fld id="{2B80962D-E3C0-4797-84A5-97D08803F837}" type="datetimeFigureOut">
               <a:rPr lang="sr-Latn-RS" smtClean="0"/>
-              <a:t>11.4.2020.</a:t>
+              <a:t>12.4.2020.</a:t>
             </a:fld>
             <a:endParaRPr lang="sr-Latn-RS"/>
           </a:p>
@@ -5312,7 +5324,7 @@
           <a:p>
             <a:fld id="{2B80962D-E3C0-4797-84A5-97D08803F837}" type="datetimeFigureOut">
               <a:rPr lang="sr-Latn-RS" smtClean="0"/>
-              <a:t>11.4.2020.</a:t>
+              <a:t>12.4.2020.</a:t>
             </a:fld>
             <a:endParaRPr lang="sr-Latn-RS"/>
           </a:p>
@@ -5920,6 +5932,13 @@
   <p:clrMapOvr>
     <a:masterClrMapping/>
   </p:clrMapOvr>
+  <p:timing>
+    <p:tnLst>
+      <p:par>
+        <p:cTn id="1" dur="indefinite" restart="never" nodeType="tmRoot"/>
+      </p:par>
+    </p:tnLst>
+  </p:timing>
 </p:sld>
 </file>
 
@@ -5982,7 +6001,47 @@
           <a:bodyPr/>
           <a:lstStyle/>
           <a:p>
-            <a:endParaRPr lang="sr-Latn-RS"/>
+            <a:r>
+              <a:rPr lang="sr-Latn-RS" dirty="0" smtClean="0"/>
+              <a:t>Balansirano stablo</a:t>
+            </a:r>
+          </a:p>
+          <a:p>
+            <a:r>
+              <a:rPr lang="sr-Latn-RS" dirty="0" smtClean="0"/>
+              <a:t>Listovi sadrže predikat koji predstavlja </a:t>
+            </a:r>
+            <a:r>
+              <a:rPr lang="sr-Latn-RS" dirty="0" err="1" smtClean="0"/>
+              <a:t>boolean</a:t>
+            </a:r>
+            <a:r>
+              <a:rPr lang="sr-Latn-RS" dirty="0" smtClean="0"/>
+              <a:t> izraz, a indeksirani podaci zadovoljavaju taj predikat</a:t>
+            </a:r>
+          </a:p>
+          <a:p>
+            <a:r>
+              <a:rPr lang="sr-Latn-RS" dirty="0" smtClean="0"/>
+              <a:t>Unutrašnji čvorovi takođe sadrže predikat i njegova deca moraju da zadovoljavaju taj predikat</a:t>
+            </a:r>
+          </a:p>
+          <a:p>
+            <a:r>
+              <a:rPr lang="sr-Latn-RS" dirty="0" smtClean="0"/>
+              <a:t>U zavisnosti od podataka koji se indeksiraju koriste se različiti tipovi podataka za njihovu implementaciju</a:t>
+            </a:r>
+          </a:p>
+          <a:p>
+            <a:r>
+              <a:rPr lang="sr-Latn-RS" dirty="0" smtClean="0"/>
+              <a:t>Za pretraživanje se koristi posebna </a:t>
+            </a:r>
+            <a:r>
+              <a:rPr lang="sr-Latn-RS" dirty="0" err="1" smtClean="0"/>
+              <a:t>funckija</a:t>
+            </a:r>
+            <a:endParaRPr lang="sr-Latn-RS" dirty="0" smtClean="0"/>
           </a:p>
         </p:txBody>
       </p:sp>
@@ -6054,7 +6113,31 @@
           <a:bodyPr/>
           <a:lstStyle/>
           <a:p>
-            <a:endParaRPr lang="sr-Latn-RS"/>
+            <a:r>
+              <a:rPr lang="sr-Latn-RS" dirty="0" smtClean="0"/>
+              <a:t>Namenjeni za velike tabele</a:t>
+            </a:r>
+          </a:p>
+          <a:p>
+            <a:r>
+              <a:rPr lang="sr-Latn-RS" dirty="0" smtClean="0"/>
+              <a:t>Čuvaju neke </a:t>
+            </a:r>
+            <a:r>
+              <a:rPr lang="sr-Latn-RS" dirty="0" err="1" smtClean="0"/>
+              <a:t>sumarizovane</a:t>
+            </a:r>
+            <a:r>
+              <a:rPr lang="sr-Latn-RS" dirty="0" smtClean="0"/>
+              <a:t> o vrednostima koje se nalaze u tabeli</a:t>
+            </a:r>
+          </a:p>
+          <a:p>
+            <a:r>
+              <a:rPr lang="sr-Latn-RS" dirty="0" smtClean="0"/>
+              <a:t>Primer minimalna i maksimalna vrednost u okviru strane</a:t>
+            </a:r>
+            <a:endParaRPr lang="sr-Latn-RS" dirty="0"/>
           </a:p>
         </p:txBody>
       </p:sp>
@@ -6105,7 +6188,7 @@
           <a:p>
             <a:r>
               <a:rPr lang="sr-Latn-RS" dirty="0" smtClean="0"/>
-              <a:t>Primeri i performanse</a:t>
+              <a:t>Demo</a:t>
             </a:r>
             <a:endParaRPr lang="sr-Latn-RS" dirty="0"/>
           </a:p>
@@ -6126,10 +6209,111 @@
           <a:bodyPr/>
           <a:lstStyle/>
           <a:p>
-            <a:endParaRPr lang="sr-Latn-RS"/>
-          </a:p>
-        </p:txBody>
-      </p:sp>
+            <a:r>
+              <a:rPr lang="sr-Latn-RS" dirty="0" smtClean="0"/>
+              <a:t>Okruženje: VM 1 CPU 1.8GHz sa 30720 </a:t>
+            </a:r>
+            <a:r>
+              <a:rPr lang="sr-Latn-RS" dirty="0" err="1" smtClean="0"/>
+              <a:t>kB</a:t>
+            </a:r>
+            <a:r>
+              <a:rPr lang="sr-Latn-RS" dirty="0" smtClean="0"/>
+              <a:t> keša, 1GB RAM i 25GB SSD</a:t>
+            </a:r>
+          </a:p>
+          <a:p>
+            <a:r>
+              <a:rPr lang="sr-Latn-RS" dirty="0" smtClean="0"/>
+              <a:t>PostgreSQL baza podataka u okviru </a:t>
+            </a:r>
+            <a:r>
+              <a:rPr lang="sr-Latn-RS" dirty="0" err="1" smtClean="0"/>
+              <a:t>docker</a:t>
+            </a:r>
+            <a:r>
+              <a:rPr lang="sr-Latn-RS" dirty="0" smtClean="0"/>
+              <a:t> kontejnera</a:t>
+            </a:r>
+          </a:p>
+          <a:p>
+            <a:r>
+              <a:rPr lang="sr-Latn-RS" dirty="0" smtClean="0"/>
+              <a:t>5000 redova u tabeli </a:t>
+            </a:r>
+            <a:r>
+              <a:rPr lang="sr-Latn-RS" dirty="0" err="1" smtClean="0"/>
+              <a:t>users</a:t>
+            </a:r>
+            <a:endParaRPr lang="sr-Latn-RS" dirty="0" smtClean="0"/>
+          </a:p>
+          <a:p>
+            <a:r>
+              <a:rPr lang="sr-Latn-RS" dirty="0" smtClean="0"/>
+              <a:t>500000 redova u tabli </a:t>
+            </a:r>
+            <a:r>
+              <a:rPr lang="sr-Latn-RS" dirty="0" err="1" smtClean="0"/>
+              <a:t>posts</a:t>
+            </a:r>
+            <a:endParaRPr lang="sr-Latn-RS" dirty="0"/>
+          </a:p>
+        </p:txBody>
+      </p:sp>
+      <p:pic>
+        <p:nvPicPr>
+          <p:cNvPr id="1026" name="Picture 2"/>
+          <p:cNvPicPr>
+            <a:picLocks noChangeAspect="1" noChangeArrowheads="1"/>
+          </p:cNvPicPr>
+          <p:nvPr/>
+        </p:nvPicPr>
+        <p:blipFill>
+          <a:blip r:embed="rId2" cstate="print">
+            <a:extLst>
+              <a:ext uri="{28A0092B-C50C-407E-A947-70E740481C1C}">
+                <a14:useLocalDpi xmlns:a14="http://schemas.microsoft.com/office/drawing/2010/main" val="0"/>
+              </a:ext>
+            </a:extLst>
+          </a:blip>
+          <a:srcRect/>
+          <a:stretch>
+            <a:fillRect/>
+          </a:stretch>
+        </p:blipFill>
+        <p:spPr bwMode="auto">
+          <a:xfrm>
+            <a:off x="3038918" y="4106199"/>
+            <a:ext cx="5943600" cy="1935163"/>
+          </a:xfrm>
+          <a:prstGeom prst="rect">
+            <a:avLst/>
+          </a:prstGeom>
+          <a:noFill/>
+          <a:ln>
+            <a:noFill/>
+          </a:ln>
+          <a:extLst>
+            <a:ext uri="{909E8E84-426E-40DD-AFC4-6F175D3DCCD1}">
+              <a14:hiddenFill xmlns:a14="http://schemas.microsoft.com/office/drawing/2010/main">
+                <a:solidFill>
+                  <a:srgbClr val="FFFFFF"/>
+                </a:solidFill>
+              </a14:hiddenFill>
+            </a:ext>
+            <a:ext uri="{91240B29-F687-4F45-9708-019B960494DF}">
+              <a14:hiddenLine xmlns:a14="http://schemas.microsoft.com/office/drawing/2010/main" w="9525">
+                <a:solidFill>
+                  <a:srgbClr val="000000"/>
+                </a:solidFill>
+                <a:miter lim="800000"/>
+                <a:headEnd/>
+                <a:tailEnd/>
+              </a14:hiddenLine>
+            </a:ext>
+          </a:extLst>
+        </p:spPr>
+      </p:pic>
     </p:spTree>
     <p:extLst>
       <p:ext uri="{BB962C8B-B14F-4D97-AF65-F5344CB8AC3E}">
@@ -6162,12 +6346,12 @@
       </p:grpSpPr>
       <p:sp>
         <p:nvSpPr>
-          <p:cNvPr id="4" name="Title 3"/>
-          <p:cNvSpPr>
-            <a:spLocks noGrp="1"/>
-          </p:cNvSpPr>
-          <p:nvPr>
-            <p:ph type="ctrTitle"/>
+          <p:cNvPr id="2" name="Title 1"/>
+          <p:cNvSpPr>
+            <a:spLocks noGrp="1"/>
+          </p:cNvSpPr>
+          <p:nvPr>
+            <p:ph type="title"/>
           </p:nvPr>
         </p:nvSpPr>
         <p:spPr/>
@@ -6175,10 +6359,9 @@
           <a:bodyPr/>
           <a:lstStyle/>
           <a:p>
-            <a:pPr algn="ctr"/>
             <a:r>
               <a:rPr lang="sr-Latn-RS" dirty="0" smtClean="0"/>
-              <a:t>Hvala na pažnji!</a:t>
+              <a:t>Veličina tabela i indeksa</a:t>
             </a:r>
             <a:endParaRPr lang="sr-Latn-RS" dirty="0"/>
           </a:p>
@@ -6186,12 +6369,12 @@
       </p:sp>
       <p:sp>
         <p:nvSpPr>
-          <p:cNvPr id="5" name="Subtitle 4"/>
-          <p:cNvSpPr>
-            <a:spLocks noGrp="1"/>
-          </p:cNvSpPr>
-          <p:nvPr>
-            <p:ph type="subTitle" idx="1"/>
+          <p:cNvPr id="3" name="Content Placeholder 2"/>
+          <p:cNvSpPr>
+            <a:spLocks noGrp="1"/>
+          </p:cNvSpPr>
+          <p:nvPr>
+            <p:ph idx="1"/>
           </p:nvPr>
         </p:nvSpPr>
         <p:spPr/>
@@ -6199,14 +6382,1243 @@
           <a:bodyPr/>
           <a:lstStyle/>
           <a:p>
-            <a:endParaRPr lang="sr-Latn-RS"/>
+            <a:r>
+              <a:rPr lang="sr-Latn-RS" dirty="0" smtClean="0"/>
+              <a:t>Veličina tabele:</a:t>
+            </a:r>
+          </a:p>
+          <a:p>
+            <a:pPr lvl="1"/>
+            <a:r>
+              <a:rPr lang="sr-Latn-RS" dirty="0" err="1" smtClean="0"/>
+              <a:t>users</a:t>
+            </a:r>
+            <a:r>
+              <a:rPr lang="sr-Latn-RS" dirty="0" smtClean="0"/>
+              <a:t> – 256kB</a:t>
+            </a:r>
+          </a:p>
+          <a:p>
+            <a:endParaRPr lang="sr-Latn-RS" dirty="0" smtClean="0"/>
+          </a:p>
+          <a:p>
+            <a:r>
+              <a:rPr lang="sr-Latn-RS" dirty="0" smtClean="0"/>
+              <a:t>Veličina PK indeksa:</a:t>
+            </a:r>
+          </a:p>
+          <a:p>
+            <a:pPr lvl="1"/>
+            <a:r>
+              <a:rPr lang="sr-Latn-RS" dirty="0" err="1"/>
+              <a:t>u</a:t>
+            </a:r>
+            <a:r>
+              <a:rPr lang="sr-Latn-RS" dirty="0" err="1" smtClean="0"/>
+              <a:t>sers</a:t>
+            </a:r>
+            <a:r>
+              <a:rPr lang="sr-Latn-RS" dirty="0" smtClean="0"/>
+              <a:t> – 128kB</a:t>
+            </a:r>
+            <a:endParaRPr lang="sr-Latn-RS" dirty="0"/>
+          </a:p>
+        </p:txBody>
+      </p:sp>
+      <p:sp>
+        <p:nvSpPr>
+          <p:cNvPr id="4" name="Content Placeholder 2"/>
+          <p:cNvSpPr txBox="1">
+            <a:spLocks/>
+          </p:cNvSpPr>
+          <p:nvPr/>
+        </p:nvSpPr>
+        <p:spPr>
+          <a:xfrm>
+            <a:off x="3820584" y="2160589"/>
+            <a:ext cx="2510366" cy="4799011"/>
+          </a:xfrm>
+          <a:prstGeom prst="rect">
+            <a:avLst/>
+          </a:prstGeom>
+        </p:spPr>
+        <p:txBody>
+          <a:bodyPr vert="horz" lIns="91440" tIns="45720" rIns="91440" bIns="45720" rtlCol="0">
+            <a:normAutofit/>
+          </a:bodyPr>
+          <a:lstStyle>
+            <a:lvl1pPr marL="342900" indent="-342900" algn="l" defTabSz="457200" rtl="0" eaLnBrk="1" latinLnBrk="0" hangingPunct="1">
+              <a:spcBef>
+                <a:spcPts val="1000"/>
+              </a:spcBef>
+              <a:spcAft>
+                <a:spcPts val="0"/>
+              </a:spcAft>
+              <a:buClr>
+                <a:schemeClr val="accent1"/>
+              </a:buClr>
+              <a:buSzPct val="80000"/>
+              <a:buFont typeface="Wingdings 3" charset="2"/>
+              <a:buChar char=""/>
+              <a:defRPr sz="1800" kern="1200">
+                <a:solidFill>
+                  <a:schemeClr val="tx1">
+                    <a:lumMod val="75000"/>
+                    <a:lumOff val="25000"/>
+                  </a:schemeClr>
+                </a:solidFill>
+                <a:latin typeface="+mn-lt"/>
+                <a:ea typeface="+mn-ea"/>
+                <a:cs typeface="+mn-cs"/>
+              </a:defRPr>
+            </a:lvl1pPr>
+            <a:lvl2pPr marL="742950" indent="-285750" algn="l" defTabSz="457200" rtl="0" eaLnBrk="1" latinLnBrk="0" hangingPunct="1">
+              <a:spcBef>
+                <a:spcPts val="1000"/>
+              </a:spcBef>
+              <a:spcAft>
+                <a:spcPts val="0"/>
+              </a:spcAft>
+              <a:buClr>
+                <a:schemeClr val="accent1"/>
+              </a:buClr>
+              <a:buSzPct val="80000"/>
+              <a:buFont typeface="Wingdings 3" charset="2"/>
+              <a:buChar char=""/>
+              <a:defRPr sz="1600" kern="1200">
+                <a:solidFill>
+                  <a:schemeClr val="tx1">
+                    <a:lumMod val="75000"/>
+                    <a:lumOff val="25000"/>
+                  </a:schemeClr>
+                </a:solidFill>
+                <a:latin typeface="+mn-lt"/>
+                <a:ea typeface="+mn-ea"/>
+                <a:cs typeface="+mn-cs"/>
+              </a:defRPr>
+            </a:lvl2pPr>
+            <a:lvl3pPr marL="1143000" indent="-228600" algn="l" defTabSz="457200" rtl="0" eaLnBrk="1" latinLnBrk="0" hangingPunct="1">
+              <a:spcBef>
+                <a:spcPts val="1000"/>
+              </a:spcBef>
+              <a:spcAft>
+                <a:spcPts val="0"/>
+              </a:spcAft>
+              <a:buClr>
+                <a:schemeClr val="accent1"/>
+              </a:buClr>
+              <a:buSzPct val="80000"/>
+              <a:buFont typeface="Wingdings 3" charset="2"/>
+              <a:buChar char=""/>
+              <a:defRPr sz="1400" kern="1200">
+                <a:solidFill>
+                  <a:schemeClr val="tx1">
+                    <a:lumMod val="75000"/>
+                    <a:lumOff val="25000"/>
+                  </a:schemeClr>
+                </a:solidFill>
+                <a:latin typeface="+mn-lt"/>
+                <a:ea typeface="+mn-ea"/>
+                <a:cs typeface="+mn-cs"/>
+              </a:defRPr>
+            </a:lvl3pPr>
+            <a:lvl4pPr marL="1600200" indent="-228600" algn="l" defTabSz="457200" rtl="0" eaLnBrk="1" latinLnBrk="0" hangingPunct="1">
+              <a:spcBef>
+                <a:spcPts val="1000"/>
+              </a:spcBef>
+              <a:spcAft>
+                <a:spcPts val="0"/>
+              </a:spcAft>
+              <a:buClr>
+                <a:schemeClr val="accent1"/>
+              </a:buClr>
+              <a:buSzPct val="80000"/>
+              <a:buFont typeface="Wingdings 3" charset="2"/>
+              <a:buChar char=""/>
+              <a:defRPr sz="1200" kern="1200">
+                <a:solidFill>
+                  <a:schemeClr val="tx1">
+                    <a:lumMod val="75000"/>
+                    <a:lumOff val="25000"/>
+                  </a:schemeClr>
+                </a:solidFill>
+                <a:latin typeface="+mn-lt"/>
+                <a:ea typeface="+mn-ea"/>
+                <a:cs typeface="+mn-cs"/>
+              </a:defRPr>
+            </a:lvl4pPr>
+            <a:lvl5pPr marL="2057400" indent="-228600" algn="l" defTabSz="457200" rtl="0" eaLnBrk="1" latinLnBrk="0" hangingPunct="1">
+              <a:spcBef>
+                <a:spcPts val="1000"/>
+              </a:spcBef>
+              <a:spcAft>
+                <a:spcPts val="0"/>
+              </a:spcAft>
+              <a:buClr>
+                <a:schemeClr val="accent1"/>
+              </a:buClr>
+              <a:buSzPct val="80000"/>
+              <a:buFont typeface="Wingdings 3" charset="2"/>
+              <a:buChar char=""/>
+              <a:defRPr sz="1200" kern="1200">
+                <a:solidFill>
+                  <a:schemeClr val="tx1">
+                    <a:lumMod val="75000"/>
+                    <a:lumOff val="25000"/>
+                  </a:schemeClr>
+                </a:solidFill>
+                <a:latin typeface="+mn-lt"/>
+                <a:ea typeface="+mn-ea"/>
+                <a:cs typeface="+mn-cs"/>
+              </a:defRPr>
+            </a:lvl5pPr>
+            <a:lvl6pPr marL="2514600" indent="-228600" algn="l" defTabSz="457200" rtl="0" eaLnBrk="1" latinLnBrk="0" hangingPunct="1">
+              <a:spcBef>
+                <a:spcPts val="1000"/>
+              </a:spcBef>
+              <a:spcAft>
+                <a:spcPts val="0"/>
+              </a:spcAft>
+              <a:buClr>
+                <a:schemeClr val="accent1"/>
+              </a:buClr>
+              <a:buSzPct val="80000"/>
+              <a:buFont typeface="Wingdings 3" charset="2"/>
+              <a:buChar char=""/>
+              <a:defRPr sz="1200" kern="1200">
+                <a:solidFill>
+                  <a:schemeClr val="tx1">
+                    <a:lumMod val="75000"/>
+                    <a:lumOff val="25000"/>
+                  </a:schemeClr>
+                </a:solidFill>
+                <a:latin typeface="+mn-lt"/>
+                <a:ea typeface="+mn-ea"/>
+                <a:cs typeface="+mn-cs"/>
+              </a:defRPr>
+            </a:lvl6pPr>
+            <a:lvl7pPr marL="2971800" indent="-228600" algn="l" defTabSz="457200" rtl="0" eaLnBrk="1" latinLnBrk="0" hangingPunct="1">
+              <a:spcBef>
+                <a:spcPts val="1000"/>
+              </a:spcBef>
+              <a:spcAft>
+                <a:spcPts val="0"/>
+              </a:spcAft>
+              <a:buClr>
+                <a:schemeClr val="accent1"/>
+              </a:buClr>
+              <a:buSzPct val="80000"/>
+              <a:buFont typeface="Wingdings 3" charset="2"/>
+              <a:buChar char=""/>
+              <a:defRPr sz="1200" kern="1200">
+                <a:solidFill>
+                  <a:schemeClr val="tx1">
+                    <a:lumMod val="75000"/>
+                    <a:lumOff val="25000"/>
+                  </a:schemeClr>
+                </a:solidFill>
+                <a:latin typeface="+mn-lt"/>
+                <a:ea typeface="+mn-ea"/>
+                <a:cs typeface="+mn-cs"/>
+              </a:defRPr>
+            </a:lvl7pPr>
+            <a:lvl8pPr marL="3429000" indent="-228600" algn="l" defTabSz="457200" rtl="0" eaLnBrk="1" latinLnBrk="0" hangingPunct="1">
+              <a:spcBef>
+                <a:spcPts val="1000"/>
+              </a:spcBef>
+              <a:spcAft>
+                <a:spcPts val="0"/>
+              </a:spcAft>
+              <a:buClr>
+                <a:schemeClr val="accent1"/>
+              </a:buClr>
+              <a:buSzPct val="80000"/>
+              <a:buFont typeface="Wingdings 3" charset="2"/>
+              <a:buChar char=""/>
+              <a:defRPr sz="1200" kern="1200">
+                <a:solidFill>
+                  <a:schemeClr val="tx1">
+                    <a:lumMod val="75000"/>
+                    <a:lumOff val="25000"/>
+                  </a:schemeClr>
+                </a:solidFill>
+                <a:latin typeface="+mn-lt"/>
+                <a:ea typeface="+mn-ea"/>
+                <a:cs typeface="+mn-cs"/>
+              </a:defRPr>
+            </a:lvl8pPr>
+            <a:lvl9pPr marL="3886200" indent="-228600" algn="l" defTabSz="457200" rtl="0" eaLnBrk="1" latinLnBrk="0" hangingPunct="1">
+              <a:spcBef>
+                <a:spcPts val="1000"/>
+              </a:spcBef>
+              <a:spcAft>
+                <a:spcPts val="0"/>
+              </a:spcAft>
+              <a:buClr>
+                <a:schemeClr val="accent1"/>
+              </a:buClr>
+              <a:buSzPct val="80000"/>
+              <a:buFont typeface="Wingdings 3" charset="2"/>
+              <a:buChar char=""/>
+              <a:defRPr sz="1200" kern="1200">
+                <a:solidFill>
+                  <a:schemeClr val="tx1">
+                    <a:lumMod val="75000"/>
+                    <a:lumOff val="25000"/>
+                  </a:schemeClr>
+                </a:solidFill>
+                <a:latin typeface="+mn-lt"/>
+                <a:ea typeface="+mn-ea"/>
+                <a:cs typeface="+mn-cs"/>
+              </a:defRPr>
+            </a:lvl9pPr>
+          </a:lstStyle>
+          <a:p>
+            <a:endParaRPr lang="sr-Latn-RS" dirty="0" smtClean="0"/>
+          </a:p>
+          <a:p>
+            <a:pPr lvl="1"/>
+            <a:r>
+              <a:rPr lang="sr-Latn-RS" dirty="0" err="1" smtClean="0"/>
+              <a:t>posts</a:t>
+            </a:r>
+            <a:r>
+              <a:rPr lang="sr-Latn-RS" dirty="0" smtClean="0"/>
+              <a:t> – 78MB</a:t>
+            </a:r>
+          </a:p>
+          <a:p>
+            <a:pPr lvl="1"/>
+            <a:endParaRPr lang="sr-Latn-RS" dirty="0"/>
+          </a:p>
+          <a:p>
+            <a:endParaRPr lang="sr-Latn-RS" dirty="0" smtClean="0"/>
+          </a:p>
+          <a:p>
+            <a:pPr lvl="1"/>
+            <a:r>
+              <a:rPr lang="sr-Latn-RS" dirty="0" err="1"/>
+              <a:t>p</a:t>
+            </a:r>
+            <a:r>
+              <a:rPr lang="sr-Latn-RS" dirty="0" err="1" smtClean="0"/>
+              <a:t>osts</a:t>
+            </a:r>
+            <a:r>
+              <a:rPr lang="sr-Latn-RS" dirty="0" smtClean="0"/>
+              <a:t> – 11MB</a:t>
+            </a:r>
+            <a:endParaRPr lang="sr-Latn-RS" dirty="0"/>
           </a:p>
         </p:txBody>
       </p:sp>
     </p:spTree>
     <p:extLst>
       <p:ext uri="{BB962C8B-B14F-4D97-AF65-F5344CB8AC3E}">
-        <p14:creationId xmlns:p14="http://schemas.microsoft.com/office/powerpoint/2010/main" val="2293769261"/>
+        <p14:creationId xmlns:p14="http://schemas.microsoft.com/office/powerpoint/2010/main" val="1300724651"/>
+      </p:ext>
+    </p:extLst>
+  </p:cSld>
+  <p:clrMapOvr>
+    <a:masterClrMapping/>
+  </p:clrMapOvr>
+</p:sld>
+</file>
+
+<file path=ppt/slides/slide14.xml><?xml version="1.0" encoding="utf-8"?>
+<p:sld xmlns:a="http://schemas.openxmlformats.org/drawingml/2006/main" xmlns:r="http://schemas.openxmlformats.org/officeDocument/2006/relationships" xmlns:p="http://schemas.openxmlformats.org/presentationml/2006/main">
+  <p:cSld>
+    <p:spTree>
+      <p:nvGrpSpPr>
+        <p:cNvPr id="1" name=""/>
+        <p:cNvGrpSpPr/>
+        <p:nvPr/>
+      </p:nvGrpSpPr>
+      <p:grpSpPr>
+        <a:xfrm>
+          <a:off x="0" y="0"/>
+          <a:ext cx="0" cy="0"/>
+          <a:chOff x="0" y="0"/>
+          <a:chExt cx="0" cy="0"/>
+        </a:xfrm>
+      </p:grpSpPr>
+      <p:sp>
+        <p:nvSpPr>
+          <p:cNvPr id="2" name="Title 1"/>
+          <p:cNvSpPr>
+            <a:spLocks noGrp="1"/>
+          </p:cNvSpPr>
+          <p:nvPr>
+            <p:ph type="title"/>
+          </p:nvPr>
+        </p:nvSpPr>
+        <p:spPr/>
+        <p:txBody>
+          <a:bodyPr/>
+          <a:lstStyle/>
+          <a:p>
+            <a:r>
+              <a:rPr lang="sr-Latn-RS" dirty="0" err="1" smtClean="0"/>
+              <a:t>Heš</a:t>
+            </a:r>
+            <a:r>
+              <a:rPr lang="sr-Latn-RS" dirty="0" smtClean="0"/>
+              <a:t> indeks za tabelu </a:t>
+            </a:r>
+            <a:r>
+              <a:rPr lang="sr-Latn-RS" dirty="0" err="1" smtClean="0"/>
+              <a:t>users</a:t>
+            </a:r>
+            <a:endParaRPr lang="sr-Latn-RS" dirty="0"/>
+          </a:p>
+        </p:txBody>
+      </p:sp>
+      <p:sp>
+        <p:nvSpPr>
+          <p:cNvPr id="3" name="Content Placeholder 2"/>
+          <p:cNvSpPr>
+            <a:spLocks noGrp="1"/>
+          </p:cNvSpPr>
+          <p:nvPr>
+            <p:ph idx="1"/>
+          </p:nvPr>
+        </p:nvSpPr>
+        <p:spPr/>
+        <p:txBody>
+          <a:bodyPr/>
+          <a:lstStyle/>
+          <a:p>
+            <a:r>
+              <a:rPr lang="sr-Latn-RS" dirty="0"/>
+              <a:t>CREATE INDEX </a:t>
+            </a:r>
+            <a:r>
+              <a:rPr lang="sr-Latn-RS" dirty="0" err="1"/>
+              <a:t>index_users_name</a:t>
+            </a:r>
+            <a:r>
+              <a:rPr lang="sr-Latn-RS" dirty="0"/>
+              <a:t> ON </a:t>
+            </a:r>
+            <a:r>
+              <a:rPr lang="sr-Latn-RS" dirty="0" err="1"/>
+              <a:t>users</a:t>
+            </a:r>
+            <a:r>
+              <a:rPr lang="sr-Latn-RS" dirty="0"/>
+              <a:t> USING HASH (</a:t>
+            </a:r>
+            <a:r>
+              <a:rPr lang="sr-Latn-RS" dirty="0" err="1"/>
+              <a:t>name</a:t>
+            </a:r>
+            <a:r>
+              <a:rPr lang="sr-Latn-RS" dirty="0"/>
+              <a:t>);</a:t>
+            </a:r>
+          </a:p>
+          <a:p>
+            <a:r>
+              <a:rPr lang="sr-Latn-RS" dirty="0" smtClean="0"/>
+              <a:t>Veličina – 272kB</a:t>
+            </a:r>
+          </a:p>
+          <a:p>
+            <a:r>
+              <a:rPr lang="sr-Latn-RS" dirty="0" smtClean="0"/>
+              <a:t>Plan izvršenja upita:</a:t>
+            </a:r>
+            <a:endParaRPr lang="sr-Latn-RS" dirty="0"/>
+          </a:p>
+        </p:txBody>
+      </p:sp>
+      <p:pic>
+        <p:nvPicPr>
+          <p:cNvPr id="4" name="Picture 3"/>
+          <p:cNvPicPr/>
+          <p:nvPr/>
+        </p:nvPicPr>
+        <p:blipFill>
+          <a:blip r:embed="rId2">
+            <a:extLst>
+              <a:ext uri="{28A0092B-C50C-407E-A947-70E740481C1C}">
+                <a14:useLocalDpi xmlns:a14="http://schemas.microsoft.com/office/drawing/2010/main" val="0"/>
+              </a:ext>
+            </a:extLst>
+          </a:blip>
+          <a:stretch>
+            <a:fillRect/>
+          </a:stretch>
+        </p:blipFill>
+        <p:spPr>
+          <a:xfrm>
+            <a:off x="304800" y="3618230"/>
+            <a:ext cx="5417820" cy="2583180"/>
+          </a:xfrm>
+          <a:prstGeom prst="rect">
+            <a:avLst/>
+          </a:prstGeom>
+        </p:spPr>
+      </p:pic>
+      <p:pic>
+        <p:nvPicPr>
+          <p:cNvPr id="5" name="Picture 4"/>
+          <p:cNvPicPr/>
+          <p:nvPr/>
+        </p:nvPicPr>
+        <p:blipFill>
+          <a:blip r:embed="rId3">
+            <a:extLst>
+              <a:ext uri="{28A0092B-C50C-407E-A947-70E740481C1C}">
+                <a14:useLocalDpi xmlns:a14="http://schemas.microsoft.com/office/drawing/2010/main" val="0"/>
+              </a:ext>
+            </a:extLst>
+          </a:blip>
+          <a:stretch>
+            <a:fillRect/>
+          </a:stretch>
+        </p:blipFill>
+        <p:spPr>
+          <a:xfrm>
+            <a:off x="6095154" y="3618230"/>
+            <a:ext cx="5943600" cy="2096770"/>
+          </a:xfrm>
+          <a:prstGeom prst="rect">
+            <a:avLst/>
+          </a:prstGeom>
+        </p:spPr>
+      </p:pic>
+    </p:spTree>
+    <p:extLst>
+      <p:ext uri="{BB962C8B-B14F-4D97-AF65-F5344CB8AC3E}">
+        <p14:creationId xmlns:p14="http://schemas.microsoft.com/office/powerpoint/2010/main" val="3296404341"/>
+      </p:ext>
+    </p:extLst>
+  </p:cSld>
+  <p:clrMapOvr>
+    <a:masterClrMapping/>
+  </p:clrMapOvr>
+</p:sld>
+</file>
+
+<file path=ppt/slides/slide15.xml><?xml version="1.0" encoding="utf-8"?>
+<p:sld xmlns:a="http://schemas.openxmlformats.org/drawingml/2006/main" xmlns:r="http://schemas.openxmlformats.org/officeDocument/2006/relationships" xmlns:p="http://schemas.openxmlformats.org/presentationml/2006/main">
+  <p:cSld>
+    <p:spTree>
+      <p:nvGrpSpPr>
+        <p:cNvPr id="1" name=""/>
+        <p:cNvGrpSpPr/>
+        <p:nvPr/>
+      </p:nvGrpSpPr>
+      <p:grpSpPr>
+        <a:xfrm>
+          <a:off x="0" y="0"/>
+          <a:ext cx="0" cy="0"/>
+          <a:chOff x="0" y="0"/>
+          <a:chExt cx="0" cy="0"/>
+        </a:xfrm>
+      </p:grpSpPr>
+      <p:sp>
+        <p:nvSpPr>
+          <p:cNvPr id="2" name="Title 1"/>
+          <p:cNvSpPr>
+            <a:spLocks noGrp="1"/>
+          </p:cNvSpPr>
+          <p:nvPr>
+            <p:ph type="title"/>
+          </p:nvPr>
+        </p:nvSpPr>
+        <p:spPr/>
+        <p:txBody>
+          <a:bodyPr/>
+          <a:lstStyle/>
+          <a:p>
+            <a:r>
+              <a:rPr lang="sr-Latn-RS" dirty="0" err="1"/>
+              <a:t>Heš</a:t>
+            </a:r>
+            <a:r>
+              <a:rPr lang="sr-Latn-RS" dirty="0"/>
+              <a:t> indeks za tabelu </a:t>
+            </a:r>
+            <a:r>
+              <a:rPr lang="sr-Latn-RS" dirty="0" err="1"/>
+              <a:t>users</a:t>
+            </a:r>
+            <a:endParaRPr lang="sr-Latn-RS" dirty="0"/>
+          </a:p>
+        </p:txBody>
+      </p:sp>
+      <p:pic>
+        <p:nvPicPr>
+          <p:cNvPr id="4" name="Content Placeholder 3"/>
+          <p:cNvPicPr>
+            <a:picLocks noGrp="1" noChangeAspect="1"/>
+          </p:cNvPicPr>
+          <p:nvPr>
+            <p:ph idx="1"/>
+          </p:nvPr>
+        </p:nvPicPr>
+        <p:blipFill>
+          <a:blip r:embed="rId2">
+            <a:extLst>
+              <a:ext uri="{28A0092B-C50C-407E-A947-70E740481C1C}">
+                <a14:useLocalDpi xmlns:a14="http://schemas.microsoft.com/office/drawing/2010/main" val="0"/>
+              </a:ext>
+            </a:extLst>
+          </a:blip>
+          <a:stretch>
+            <a:fillRect/>
+          </a:stretch>
+        </p:blipFill>
+        <p:spPr>
+          <a:xfrm>
+            <a:off x="270934" y="2554289"/>
+            <a:ext cx="4631266" cy="3116366"/>
+          </a:xfrm>
+        </p:spPr>
+      </p:pic>
+      <p:pic>
+        <p:nvPicPr>
+          <p:cNvPr id="7" name="Picture 6"/>
+          <p:cNvPicPr>
+            <a:picLocks noChangeAspect="1"/>
+          </p:cNvPicPr>
+          <p:nvPr/>
+        </p:nvPicPr>
+        <p:blipFill>
+          <a:blip r:embed="rId3">
+            <a:extLst>
+              <a:ext uri="{28A0092B-C50C-407E-A947-70E740481C1C}">
+                <a14:useLocalDpi xmlns:a14="http://schemas.microsoft.com/office/drawing/2010/main" val="0"/>
+              </a:ext>
+            </a:extLst>
+          </a:blip>
+          <a:stretch>
+            <a:fillRect/>
+          </a:stretch>
+        </p:blipFill>
+        <p:spPr>
+          <a:xfrm>
+            <a:off x="4902200" y="2554289"/>
+            <a:ext cx="4694398" cy="3116366"/>
+          </a:xfrm>
+          <a:prstGeom prst="rect">
+            <a:avLst/>
+          </a:prstGeom>
+        </p:spPr>
+      </p:pic>
+    </p:spTree>
+    <p:extLst>
+      <p:ext uri="{BB962C8B-B14F-4D97-AF65-F5344CB8AC3E}">
+        <p14:creationId xmlns:p14="http://schemas.microsoft.com/office/powerpoint/2010/main" val="1026164152"/>
+      </p:ext>
+    </p:extLst>
+  </p:cSld>
+  <p:clrMapOvr>
+    <a:masterClrMapping/>
+  </p:clrMapOvr>
+</p:sld>
+</file>
+
+<file path=ppt/slides/slide16.xml><?xml version="1.0" encoding="utf-8"?>
+<p:sld xmlns:a="http://schemas.openxmlformats.org/drawingml/2006/main" xmlns:r="http://schemas.openxmlformats.org/officeDocument/2006/relationships" xmlns:p="http://schemas.openxmlformats.org/presentationml/2006/main">
+  <p:cSld>
+    <p:spTree>
+      <p:nvGrpSpPr>
+        <p:cNvPr id="1" name=""/>
+        <p:cNvGrpSpPr/>
+        <p:nvPr/>
+      </p:nvGrpSpPr>
+      <p:grpSpPr>
+        <a:xfrm>
+          <a:off x="0" y="0"/>
+          <a:ext cx="0" cy="0"/>
+          <a:chOff x="0" y="0"/>
+          <a:chExt cx="0" cy="0"/>
+        </a:xfrm>
+      </p:grpSpPr>
+      <p:sp>
+        <p:nvSpPr>
+          <p:cNvPr id="2" name="Title 1"/>
+          <p:cNvSpPr>
+            <a:spLocks noGrp="1"/>
+          </p:cNvSpPr>
+          <p:nvPr>
+            <p:ph type="title"/>
+          </p:nvPr>
+        </p:nvSpPr>
+        <p:spPr/>
+        <p:txBody>
+          <a:bodyPr/>
+          <a:lstStyle/>
+          <a:p>
+            <a:r>
+              <a:rPr lang="sr-Latn-RS" dirty="0" smtClean="0"/>
+              <a:t>B-stablo indeks za tabelu </a:t>
+            </a:r>
+            <a:r>
+              <a:rPr lang="sr-Latn-RS" dirty="0" err="1" smtClean="0"/>
+              <a:t>posts</a:t>
+            </a:r>
+            <a:endParaRPr lang="sr-Latn-RS" dirty="0"/>
+          </a:p>
+        </p:txBody>
+      </p:sp>
+      <p:sp>
+        <p:nvSpPr>
+          <p:cNvPr id="3" name="Content Placeholder 2"/>
+          <p:cNvSpPr>
+            <a:spLocks noGrp="1"/>
+          </p:cNvSpPr>
+          <p:nvPr>
+            <p:ph idx="1"/>
+          </p:nvPr>
+        </p:nvSpPr>
+        <p:spPr/>
+        <p:txBody>
+          <a:bodyPr/>
+          <a:lstStyle/>
+          <a:p>
+            <a:r>
+              <a:rPr lang="sr-Latn-RS" dirty="0"/>
+              <a:t>CREATE INDEX </a:t>
+            </a:r>
+            <a:r>
+              <a:rPr lang="sr-Latn-RS" dirty="0" err="1"/>
+              <a:t>index_posts_user_id</a:t>
+            </a:r>
+            <a:r>
+              <a:rPr lang="sr-Latn-RS" dirty="0"/>
+              <a:t> ON </a:t>
+            </a:r>
+            <a:r>
+              <a:rPr lang="sr-Latn-RS" dirty="0" err="1"/>
+              <a:t>posts</a:t>
+            </a:r>
+            <a:r>
+              <a:rPr lang="sr-Latn-RS" dirty="0"/>
+              <a:t> (</a:t>
+            </a:r>
+            <a:r>
+              <a:rPr lang="sr-Latn-RS" dirty="0" err="1"/>
+              <a:t>user_id</a:t>
+            </a:r>
+            <a:r>
+              <a:rPr lang="sr-Latn-RS" dirty="0" smtClean="0"/>
+              <a:t>);</a:t>
+            </a:r>
+          </a:p>
+          <a:p>
+            <a:r>
+              <a:rPr lang="sr-Latn-RS" dirty="0" smtClean="0"/>
+              <a:t>Veličina – 10MB</a:t>
+            </a:r>
+          </a:p>
+          <a:p>
+            <a:r>
+              <a:rPr lang="sr-Latn-RS" dirty="0" smtClean="0"/>
+              <a:t>Plan izvršenja upita:</a:t>
+            </a:r>
+            <a:endParaRPr lang="sr-Latn-RS" dirty="0"/>
+          </a:p>
+          <a:p>
+            <a:endParaRPr lang="sr-Latn-RS" dirty="0"/>
+          </a:p>
+        </p:txBody>
+      </p:sp>
+      <p:pic>
+        <p:nvPicPr>
+          <p:cNvPr id="5" name="Picture 4"/>
+          <p:cNvPicPr/>
+          <p:nvPr/>
+        </p:nvPicPr>
+        <p:blipFill>
+          <a:blip r:embed="rId2">
+            <a:extLst>
+              <a:ext uri="{28A0092B-C50C-407E-A947-70E740481C1C}">
+                <a14:useLocalDpi xmlns:a14="http://schemas.microsoft.com/office/drawing/2010/main" val="0"/>
+              </a:ext>
+            </a:extLst>
+          </a:blip>
+          <a:stretch>
+            <a:fillRect/>
+          </a:stretch>
+        </p:blipFill>
+        <p:spPr>
+          <a:xfrm>
+            <a:off x="6003887" y="3562194"/>
+            <a:ext cx="5943600" cy="2616835"/>
+          </a:xfrm>
+          <a:prstGeom prst="rect">
+            <a:avLst/>
+          </a:prstGeom>
+        </p:spPr>
+      </p:pic>
+      <p:pic>
+        <p:nvPicPr>
+          <p:cNvPr id="6" name="Picture 5"/>
+          <p:cNvPicPr/>
+          <p:nvPr/>
+        </p:nvPicPr>
+        <p:blipFill>
+          <a:blip r:embed="rId3">
+            <a:extLst>
+              <a:ext uri="{28A0092B-C50C-407E-A947-70E740481C1C}">
+                <a14:useLocalDpi xmlns:a14="http://schemas.microsoft.com/office/drawing/2010/main" val="0"/>
+              </a:ext>
+            </a:extLst>
+          </a:blip>
+          <a:stretch>
+            <a:fillRect/>
+          </a:stretch>
+        </p:blipFill>
+        <p:spPr>
+          <a:xfrm>
+            <a:off x="298315" y="3562194"/>
+            <a:ext cx="5207540" cy="2709357"/>
+          </a:xfrm>
+          <a:prstGeom prst="rect">
+            <a:avLst/>
+          </a:prstGeom>
+        </p:spPr>
+      </p:pic>
+    </p:spTree>
+    <p:extLst>
+      <p:ext uri="{BB962C8B-B14F-4D97-AF65-F5344CB8AC3E}">
+        <p14:creationId xmlns:p14="http://schemas.microsoft.com/office/powerpoint/2010/main" val="4057185691"/>
+      </p:ext>
+    </p:extLst>
+  </p:cSld>
+  <p:clrMapOvr>
+    <a:masterClrMapping/>
+  </p:clrMapOvr>
+</p:sld>
+</file>
+
+<file path=ppt/slides/slide17.xml><?xml version="1.0" encoding="utf-8"?>
+<p:sld xmlns:a="http://schemas.openxmlformats.org/drawingml/2006/main" xmlns:r="http://schemas.openxmlformats.org/officeDocument/2006/relationships" xmlns:p="http://schemas.openxmlformats.org/presentationml/2006/main">
+  <p:cSld>
+    <p:spTree>
+      <p:nvGrpSpPr>
+        <p:cNvPr id="1" name=""/>
+        <p:cNvGrpSpPr/>
+        <p:nvPr/>
+      </p:nvGrpSpPr>
+      <p:grpSpPr>
+        <a:xfrm>
+          <a:off x="0" y="0"/>
+          <a:ext cx="0" cy="0"/>
+          <a:chOff x="0" y="0"/>
+          <a:chExt cx="0" cy="0"/>
+        </a:xfrm>
+      </p:grpSpPr>
+      <p:sp>
+        <p:nvSpPr>
+          <p:cNvPr id="2" name="Title 1"/>
+          <p:cNvSpPr>
+            <a:spLocks noGrp="1"/>
+          </p:cNvSpPr>
+          <p:nvPr>
+            <p:ph type="title"/>
+          </p:nvPr>
+        </p:nvSpPr>
+        <p:spPr/>
+        <p:txBody>
+          <a:bodyPr/>
+          <a:lstStyle/>
+          <a:p>
+            <a:r>
+              <a:rPr lang="sr-Latn-RS" dirty="0"/>
+              <a:t>B-stablo </a:t>
+            </a:r>
+            <a:r>
+              <a:rPr lang="sr-Latn-RS" dirty="0" smtClean="0"/>
+              <a:t>indeks </a:t>
+            </a:r>
+            <a:r>
+              <a:rPr lang="sr-Latn-RS" dirty="0"/>
+              <a:t>za tabelu </a:t>
+            </a:r>
+            <a:r>
+              <a:rPr lang="sr-Latn-RS" dirty="0" err="1"/>
+              <a:t>posts</a:t>
+            </a:r>
+            <a:endParaRPr lang="sr-Latn-RS" dirty="0"/>
+          </a:p>
+        </p:txBody>
+      </p:sp>
+      <p:pic>
+        <p:nvPicPr>
+          <p:cNvPr id="4" name="Content Placeholder 3"/>
+          <p:cNvPicPr>
+            <a:picLocks noGrp="1" noChangeAspect="1"/>
+          </p:cNvPicPr>
+          <p:nvPr>
+            <p:ph idx="1"/>
+          </p:nvPr>
+        </p:nvPicPr>
+        <p:blipFill>
+          <a:blip r:embed="rId2">
+            <a:extLst>
+              <a:ext uri="{28A0092B-C50C-407E-A947-70E740481C1C}">
+                <a14:useLocalDpi xmlns:a14="http://schemas.microsoft.com/office/drawing/2010/main" val="0"/>
+              </a:ext>
+            </a:extLst>
+          </a:blip>
+          <a:stretch>
+            <a:fillRect/>
+          </a:stretch>
+        </p:blipFill>
+        <p:spPr>
+          <a:xfrm>
+            <a:off x="279253" y="2621092"/>
+            <a:ext cx="4481216" cy="2979608"/>
+          </a:xfrm>
+        </p:spPr>
+      </p:pic>
+      <p:pic>
+        <p:nvPicPr>
+          <p:cNvPr id="5" name="Picture 4"/>
+          <p:cNvPicPr>
+            <a:picLocks noChangeAspect="1"/>
+          </p:cNvPicPr>
+          <p:nvPr/>
+        </p:nvPicPr>
+        <p:blipFill>
+          <a:blip r:embed="rId3">
+            <a:extLst>
+              <a:ext uri="{28A0092B-C50C-407E-A947-70E740481C1C}">
+                <a14:useLocalDpi xmlns:a14="http://schemas.microsoft.com/office/drawing/2010/main" val="0"/>
+              </a:ext>
+            </a:extLst>
+          </a:blip>
+          <a:stretch>
+            <a:fillRect/>
+          </a:stretch>
+        </p:blipFill>
+        <p:spPr>
+          <a:xfrm>
+            <a:off x="4760468" y="2621092"/>
+            <a:ext cx="4502625" cy="2979608"/>
+          </a:xfrm>
+          <a:prstGeom prst="rect">
+            <a:avLst/>
+          </a:prstGeom>
+        </p:spPr>
+      </p:pic>
+    </p:spTree>
+    <p:extLst>
+      <p:ext uri="{BB962C8B-B14F-4D97-AF65-F5344CB8AC3E}">
+        <p14:creationId xmlns:p14="http://schemas.microsoft.com/office/powerpoint/2010/main" val="2229550797"/>
+      </p:ext>
+    </p:extLst>
+  </p:cSld>
+  <p:clrMapOvr>
+    <a:masterClrMapping/>
+  </p:clrMapOvr>
+</p:sld>
+</file>
+
+<file path=ppt/slides/slide18.xml><?xml version="1.0" encoding="utf-8"?>
+<p:sld xmlns:a="http://schemas.openxmlformats.org/drawingml/2006/main" xmlns:r="http://schemas.openxmlformats.org/officeDocument/2006/relationships" xmlns:p="http://schemas.openxmlformats.org/presentationml/2006/main">
+  <p:cSld>
+    <p:spTree>
+      <p:nvGrpSpPr>
+        <p:cNvPr id="1" name=""/>
+        <p:cNvGrpSpPr/>
+        <p:nvPr/>
+      </p:nvGrpSpPr>
+      <p:grpSpPr>
+        <a:xfrm>
+          <a:off x="0" y="0"/>
+          <a:ext cx="0" cy="0"/>
+          <a:chOff x="0" y="0"/>
+          <a:chExt cx="0" cy="0"/>
+        </a:xfrm>
+      </p:grpSpPr>
+      <p:sp>
+        <p:nvSpPr>
+          <p:cNvPr id="2" name="Title 1"/>
+          <p:cNvSpPr>
+            <a:spLocks noGrp="1"/>
+          </p:cNvSpPr>
+          <p:nvPr>
+            <p:ph type="title"/>
+          </p:nvPr>
+        </p:nvSpPr>
+        <p:spPr/>
+        <p:txBody>
+          <a:bodyPr/>
+          <a:lstStyle/>
+          <a:p>
+            <a:r>
+              <a:rPr lang="sr-Latn-RS" dirty="0" smtClean="0"/>
+              <a:t>GIN indeks </a:t>
+            </a:r>
+            <a:r>
+              <a:rPr lang="sr-Latn-RS" dirty="0"/>
+              <a:t>za tabelu </a:t>
+            </a:r>
+            <a:r>
+              <a:rPr lang="sr-Latn-RS" dirty="0" err="1"/>
+              <a:t>posts</a:t>
+            </a:r>
+            <a:endParaRPr lang="sr-Latn-RS" dirty="0"/>
+          </a:p>
+        </p:txBody>
+      </p:sp>
+      <p:sp>
+        <p:nvSpPr>
+          <p:cNvPr id="3" name="Content Placeholder 2"/>
+          <p:cNvSpPr>
+            <a:spLocks noGrp="1"/>
+          </p:cNvSpPr>
+          <p:nvPr>
+            <p:ph idx="1"/>
+          </p:nvPr>
+        </p:nvSpPr>
+        <p:spPr/>
+        <p:txBody>
+          <a:bodyPr/>
+          <a:lstStyle/>
+          <a:p>
+            <a:r>
+              <a:rPr lang="sr-Latn-RS" dirty="0"/>
+              <a:t>CREATE INDEX </a:t>
+            </a:r>
+            <a:r>
+              <a:rPr lang="sr-Latn-RS" dirty="0" err="1"/>
+              <a:t>index_posts_text</a:t>
+            </a:r>
+            <a:r>
+              <a:rPr lang="sr-Latn-RS" dirty="0"/>
+              <a:t> ON </a:t>
+            </a:r>
+            <a:r>
+              <a:rPr lang="sr-Latn-RS" dirty="0" err="1"/>
+              <a:t>posts</a:t>
+            </a:r>
+            <a:r>
+              <a:rPr lang="sr-Latn-RS" dirty="0"/>
+              <a:t> USING </a:t>
+            </a:r>
+            <a:r>
+              <a:rPr lang="sr-Latn-RS" dirty="0" err="1"/>
+              <a:t>gin</a:t>
+            </a:r>
+            <a:r>
+              <a:rPr lang="sr-Latn-RS" dirty="0"/>
+              <a:t>(</a:t>
+            </a:r>
+            <a:r>
+              <a:rPr lang="sr-Latn-RS" dirty="0" err="1"/>
+              <a:t>text</a:t>
+            </a:r>
+            <a:r>
+              <a:rPr lang="sr-Latn-RS" dirty="0"/>
+              <a:t> </a:t>
+            </a:r>
+            <a:r>
+              <a:rPr lang="sr-Latn-RS" dirty="0" err="1" smtClean="0"/>
+              <a:t>gin_trgm_ops</a:t>
+            </a:r>
+            <a:r>
+              <a:rPr lang="sr-Latn-RS" dirty="0" smtClean="0"/>
+              <a:t>)</a:t>
+            </a:r>
+          </a:p>
+          <a:p>
+            <a:r>
+              <a:rPr lang="sr-Latn-RS" dirty="0" smtClean="0"/>
+              <a:t>Veličina – 235MB</a:t>
+            </a:r>
+          </a:p>
+          <a:p>
+            <a:r>
+              <a:rPr lang="sr-Latn-RS" dirty="0" smtClean="0"/>
+              <a:t>Plan izvršenja upita:</a:t>
+            </a:r>
+            <a:endParaRPr lang="sr-Latn-RS" dirty="0"/>
+          </a:p>
+        </p:txBody>
+      </p:sp>
+      <p:pic>
+        <p:nvPicPr>
+          <p:cNvPr id="4" name="Picture 3"/>
+          <p:cNvPicPr/>
+          <p:nvPr/>
+        </p:nvPicPr>
+        <p:blipFill>
+          <a:blip r:embed="rId2">
+            <a:extLst>
+              <a:ext uri="{28A0092B-C50C-407E-A947-70E740481C1C}">
+                <a14:useLocalDpi xmlns:a14="http://schemas.microsoft.com/office/drawing/2010/main" val="0"/>
+              </a:ext>
+            </a:extLst>
+          </a:blip>
+          <a:stretch>
+            <a:fillRect/>
+          </a:stretch>
+        </p:blipFill>
+        <p:spPr>
+          <a:xfrm>
+            <a:off x="355600" y="3665855"/>
+            <a:ext cx="5086350" cy="2354263"/>
+          </a:xfrm>
+          <a:prstGeom prst="rect">
+            <a:avLst/>
+          </a:prstGeom>
+        </p:spPr>
+      </p:pic>
+      <p:pic>
+        <p:nvPicPr>
+          <p:cNvPr id="5" name="Picture 4"/>
+          <p:cNvPicPr/>
+          <p:nvPr/>
+        </p:nvPicPr>
+        <p:blipFill>
+          <a:blip r:embed="rId3">
+            <a:extLst>
+              <a:ext uri="{28A0092B-C50C-407E-A947-70E740481C1C}">
+                <a14:useLocalDpi xmlns:a14="http://schemas.microsoft.com/office/drawing/2010/main" val="0"/>
+              </a:ext>
+            </a:extLst>
+          </a:blip>
+          <a:stretch>
+            <a:fillRect/>
+          </a:stretch>
+        </p:blipFill>
+        <p:spPr>
+          <a:xfrm>
+            <a:off x="5763684" y="3665855"/>
+            <a:ext cx="5473700" cy="2375507"/>
+          </a:xfrm>
+          <a:prstGeom prst="rect">
+            <a:avLst/>
+          </a:prstGeom>
+        </p:spPr>
+      </p:pic>
+    </p:spTree>
+    <p:extLst>
+      <p:ext uri="{BB962C8B-B14F-4D97-AF65-F5344CB8AC3E}">
+        <p14:creationId xmlns:p14="http://schemas.microsoft.com/office/powerpoint/2010/main" val="2205278639"/>
+      </p:ext>
+    </p:extLst>
+  </p:cSld>
+  <p:clrMapOvr>
+    <a:masterClrMapping/>
+  </p:clrMapOvr>
+</p:sld>
+</file>
+
+<file path=ppt/slides/slide19.xml><?xml version="1.0" encoding="utf-8"?>
+<p:sld xmlns:a="http://schemas.openxmlformats.org/drawingml/2006/main" xmlns:r="http://schemas.openxmlformats.org/officeDocument/2006/relationships" xmlns:p="http://schemas.openxmlformats.org/presentationml/2006/main">
+  <p:cSld>
+    <p:spTree>
+      <p:nvGrpSpPr>
+        <p:cNvPr id="1" name=""/>
+        <p:cNvGrpSpPr/>
+        <p:nvPr/>
+      </p:nvGrpSpPr>
+      <p:grpSpPr>
+        <a:xfrm>
+          <a:off x="0" y="0"/>
+          <a:ext cx="0" cy="0"/>
+          <a:chOff x="0" y="0"/>
+          <a:chExt cx="0" cy="0"/>
+        </a:xfrm>
+      </p:grpSpPr>
+      <p:sp>
+        <p:nvSpPr>
+          <p:cNvPr id="2" name="Title 1"/>
+          <p:cNvSpPr>
+            <a:spLocks noGrp="1"/>
+          </p:cNvSpPr>
+          <p:nvPr>
+            <p:ph type="title"/>
+          </p:nvPr>
+        </p:nvSpPr>
+        <p:spPr/>
+        <p:txBody>
+          <a:bodyPr/>
+          <a:lstStyle/>
+          <a:p>
+            <a:r>
+              <a:rPr lang="sr-Latn-RS" dirty="0"/>
+              <a:t>GIN indeks za tabelu </a:t>
+            </a:r>
+            <a:r>
+              <a:rPr lang="sr-Latn-RS" dirty="0" err="1"/>
+              <a:t>posts</a:t>
+            </a:r>
+            <a:endParaRPr lang="sr-Latn-RS" dirty="0"/>
+          </a:p>
+        </p:txBody>
+      </p:sp>
+      <p:pic>
+        <p:nvPicPr>
+          <p:cNvPr id="4" name="Content Placeholder 3"/>
+          <p:cNvPicPr>
+            <a:picLocks noGrp="1" noChangeAspect="1"/>
+          </p:cNvPicPr>
+          <p:nvPr>
+            <p:ph idx="1"/>
+          </p:nvPr>
+        </p:nvPicPr>
+        <p:blipFill>
+          <a:blip r:embed="rId2">
+            <a:extLst>
+              <a:ext uri="{28A0092B-C50C-407E-A947-70E740481C1C}">
+                <a14:useLocalDpi xmlns:a14="http://schemas.microsoft.com/office/drawing/2010/main" val="0"/>
+              </a:ext>
+            </a:extLst>
+          </a:blip>
+          <a:stretch>
+            <a:fillRect/>
+          </a:stretch>
+        </p:blipFill>
+        <p:spPr>
+          <a:xfrm>
+            <a:off x="205635" y="2351089"/>
+            <a:ext cx="4301194" cy="2874962"/>
+          </a:xfrm>
+        </p:spPr>
+      </p:pic>
+      <p:pic>
+        <p:nvPicPr>
+          <p:cNvPr id="5" name="Picture 4"/>
+          <p:cNvPicPr>
+            <a:picLocks noChangeAspect="1"/>
+          </p:cNvPicPr>
+          <p:nvPr/>
+        </p:nvPicPr>
+        <p:blipFill>
+          <a:blip r:embed="rId3">
+            <a:extLst>
+              <a:ext uri="{28A0092B-C50C-407E-A947-70E740481C1C}">
+                <a14:useLocalDpi xmlns:a14="http://schemas.microsoft.com/office/drawing/2010/main" val="0"/>
+              </a:ext>
+            </a:extLst>
+          </a:blip>
+          <a:stretch>
+            <a:fillRect/>
+          </a:stretch>
+        </p:blipFill>
+        <p:spPr>
+          <a:xfrm>
+            <a:off x="4724782" y="2351089"/>
+            <a:ext cx="4362068" cy="2880524"/>
+          </a:xfrm>
+          <a:prstGeom prst="rect">
+            <a:avLst/>
+          </a:prstGeom>
+        </p:spPr>
+      </p:pic>
+    </p:spTree>
+    <p:extLst>
+      <p:ext uri="{BB962C8B-B14F-4D97-AF65-F5344CB8AC3E}">
+        <p14:creationId xmlns:p14="http://schemas.microsoft.com/office/powerpoint/2010/main" val="483118473"/>
       </p:ext>
     </p:extLst>
   </p:cSld>
@@ -6367,6 +7779,86 @@
     <p:extLst>
       <p:ext uri="{BB962C8B-B14F-4D97-AF65-F5344CB8AC3E}">
         <p14:creationId xmlns:p14="http://schemas.microsoft.com/office/powerpoint/2010/main" val="2206664327"/>
+      </p:ext>
+    </p:extLst>
+  </p:cSld>
+  <p:clrMapOvr>
+    <a:masterClrMapping/>
+  </p:clrMapOvr>
+  <p:timing>
+    <p:tnLst>
+      <p:par>
+        <p:cTn id="1" dur="indefinite" restart="never" nodeType="tmRoot"/>
+      </p:par>
+    </p:tnLst>
+  </p:timing>
+</p:sld>
+</file>
+
+<file path=ppt/slides/slide20.xml><?xml version="1.0" encoding="utf-8"?>
+<p:sld xmlns:a="http://schemas.openxmlformats.org/drawingml/2006/main" xmlns:r="http://schemas.openxmlformats.org/officeDocument/2006/relationships" xmlns:p="http://schemas.openxmlformats.org/presentationml/2006/main">
+  <p:cSld>
+    <p:spTree>
+      <p:nvGrpSpPr>
+        <p:cNvPr id="1" name=""/>
+        <p:cNvGrpSpPr/>
+        <p:nvPr/>
+      </p:nvGrpSpPr>
+      <p:grpSpPr>
+        <a:xfrm>
+          <a:off x="0" y="0"/>
+          <a:ext cx="0" cy="0"/>
+          <a:chOff x="0" y="0"/>
+          <a:chExt cx="0" cy="0"/>
+        </a:xfrm>
+      </p:grpSpPr>
+      <p:sp>
+        <p:nvSpPr>
+          <p:cNvPr id="4" name="Title 3"/>
+          <p:cNvSpPr>
+            <a:spLocks noGrp="1"/>
+          </p:cNvSpPr>
+          <p:nvPr>
+            <p:ph type="ctrTitle"/>
+          </p:nvPr>
+        </p:nvSpPr>
+        <p:spPr/>
+        <p:txBody>
+          <a:bodyPr/>
+          <a:lstStyle/>
+          <a:p>
+            <a:pPr algn="ctr"/>
+            <a:r>
+              <a:rPr lang="sr-Latn-RS" dirty="0" smtClean="0"/>
+              <a:t>Hvala na pažnji!</a:t>
+            </a:r>
+            <a:endParaRPr lang="sr-Latn-RS" dirty="0"/>
+          </a:p>
+        </p:txBody>
+      </p:sp>
+      <p:sp>
+        <p:nvSpPr>
+          <p:cNvPr id="5" name="Subtitle 4"/>
+          <p:cNvSpPr>
+            <a:spLocks noGrp="1"/>
+          </p:cNvSpPr>
+          <p:nvPr>
+            <p:ph type="subTitle" idx="1"/>
+          </p:nvPr>
+        </p:nvSpPr>
+        <p:spPr/>
+        <p:txBody>
+          <a:bodyPr/>
+          <a:lstStyle/>
+          <a:p>
+            <a:endParaRPr lang="sr-Latn-RS"/>
+          </a:p>
+        </p:txBody>
+      </p:sp>
+    </p:spTree>
+    <p:extLst>
+      <p:ext uri="{BB962C8B-B14F-4D97-AF65-F5344CB8AC3E}">
+        <p14:creationId xmlns:p14="http://schemas.microsoft.com/office/powerpoint/2010/main" val="2293769261"/>
       </p:ext>
     </p:extLst>
   </p:cSld>
@@ -7189,10 +8681,94 @@
           <a:bodyPr/>
           <a:lstStyle/>
           <a:p>
+            <a:r>
+              <a:rPr lang="sr-Latn-RS" dirty="0" smtClean="0"/>
+              <a:t>Za indeksiranje </a:t>
+            </a:r>
+            <a:r>
+              <a:rPr lang="sr-Latn-RS" dirty="0" err="1" smtClean="0"/>
+              <a:t>kompozitnih</a:t>
+            </a:r>
+            <a:r>
+              <a:rPr lang="sr-Latn-RS" dirty="0" smtClean="0"/>
+              <a:t> vrednosti</a:t>
+            </a:r>
+          </a:p>
+          <a:p>
+            <a:r>
+              <a:rPr lang="sr-Latn-RS" dirty="0" smtClean="0"/>
+              <a:t>Primer indeksiranje dokumenata gde se traži određena reč</a:t>
+            </a:r>
+          </a:p>
+          <a:p>
+            <a:r>
+              <a:rPr lang="sr-Latn-RS" dirty="0" smtClean="0"/>
+              <a:t>Sadrži ključ i </a:t>
+            </a:r>
+            <a:r>
+              <a:rPr lang="sr-Latn-RS" dirty="0" err="1" smtClean="0"/>
+              <a:t>posting</a:t>
+            </a:r>
+            <a:r>
+              <a:rPr lang="sr-Latn-RS" dirty="0" smtClean="0"/>
+              <a:t> listu (lista pokazivača na redove koji sadrže ključ)</a:t>
+            </a:r>
+          </a:p>
+          <a:p>
+            <a:r>
+              <a:rPr lang="sr-Latn-RS" dirty="0" smtClean="0"/>
+              <a:t>Ključ se čuva samo jednom, a neki red može da se pojavi u više </a:t>
+            </a:r>
+            <a:r>
+              <a:rPr lang="sr-Latn-RS" dirty="0" err="1" smtClean="0"/>
+              <a:t>posting</a:t>
+            </a:r>
+            <a:r>
+              <a:rPr lang="sr-Latn-RS" dirty="0" smtClean="0"/>
+              <a:t> listi</a:t>
+            </a:r>
+            <a:endParaRPr lang="sr-Latn-RS" dirty="0" smtClean="0"/>
+          </a:p>
+          <a:p>
             <a:endParaRPr lang="sr-Latn-RS" dirty="0"/>
           </a:p>
         </p:txBody>
       </p:sp>
+      <p:pic>
+        <p:nvPicPr>
+          <p:cNvPr id="4" name="Picture 3"/>
+          <p:cNvPicPr/>
+          <p:nvPr/>
+        </p:nvPicPr>
+        <p:blipFill rotWithShape="1">
+          <a:blip r:embed="rId2">
+            <a:extLst>
+              <a:ext uri="{28A0092B-C50C-407E-A947-70E740481C1C}">
+                <a14:useLocalDpi xmlns:a14="http://schemas.microsoft.com/office/drawing/2010/main" val="0"/>
+              </a:ext>
+            </a:extLst>
+          </a:blip>
+          <a:srcRect l="1796" t="2760" r="2435"/>
+          <a:stretch/>
+        </p:blipFill>
+        <p:spPr bwMode="auto">
+          <a:xfrm>
+            <a:off x="2129598" y="3904615"/>
+            <a:ext cx="5692140" cy="2953385"/>
+          </a:xfrm>
+          <a:prstGeom prst="rect">
+            <a:avLst/>
+          </a:prstGeom>
+          <a:ln>
+            <a:noFill/>
+          </a:ln>
+          <a:extLst>
+            <a:ext uri="{53640926-AAD7-44D8-BBD7-CCE9431645EC}">
+              <a14:shadowObscured xmlns:a14="http://schemas.microsoft.com/office/drawing/2010/main"/>
+            </a:ext>
+          </a:extLst>
+        </p:spPr>
+      </p:pic>
     </p:spTree>
     <p:extLst>
       <p:ext uri="{BB962C8B-B14F-4D97-AF65-F5344CB8AC3E}">
